--- a/powerPoint_bigData.pptx
+++ b/powerPoint_bigData.pptx
@@ -6,11 +6,12 @@
   </p:sldMasterIdLst>
   <p:sldIdLst>
     <p:sldId id="256" r:id="rId5"/>
+    <p:sldId id="257" r:id="rId6"/>
   </p:sldIdLst>
   <p:sldSz cx="12192000" cy="6858000"/>
   <p:notesSz cx="6858000" cy="9144000"/>
   <p:custDataLst>
-    <p:tags r:id="rId6"/>
+    <p:tags r:id="rId7"/>
   </p:custDataLst>
   <p:defaultTextStyle>
     <a:defPPr>
@@ -270,7 +271,7 @@
           <a:p>
             <a:fld id="{37A2730A-859E-B540-ADF3-E97069AD1FDB}" type="datetimeFigureOut">
               <a:rPr lang="en-US" smtClean="0"/>
-              <a:t>5/17/2024</a:t>
+              <a:t>5/23/2024</a:t>
             </a:fld>
             <a:endParaRPr lang="en-US"/>
           </a:p>
@@ -468,7 +469,7 @@
           <a:p>
             <a:fld id="{37A2730A-859E-B540-ADF3-E97069AD1FDB}" type="datetimeFigureOut">
               <a:rPr lang="en-US" smtClean="0"/>
-              <a:t>5/17/2024</a:t>
+              <a:t>5/23/2024</a:t>
             </a:fld>
             <a:endParaRPr lang="en-US"/>
           </a:p>
@@ -676,7 +677,7 @@
           <a:p>
             <a:fld id="{37A2730A-859E-B540-ADF3-E97069AD1FDB}" type="datetimeFigureOut">
               <a:rPr lang="en-US" smtClean="0"/>
-              <a:t>5/17/2024</a:t>
+              <a:t>5/23/2024</a:t>
             </a:fld>
             <a:endParaRPr lang="en-US"/>
           </a:p>
@@ -874,7 +875,7 @@
           <a:p>
             <a:fld id="{37A2730A-859E-B540-ADF3-E97069AD1FDB}" type="datetimeFigureOut">
               <a:rPr lang="en-US" smtClean="0"/>
-              <a:t>5/17/2024</a:t>
+              <a:t>5/23/2024</a:t>
             </a:fld>
             <a:endParaRPr lang="en-US"/>
           </a:p>
@@ -1149,7 +1150,7 @@
           <a:p>
             <a:fld id="{37A2730A-859E-B540-ADF3-E97069AD1FDB}" type="datetimeFigureOut">
               <a:rPr lang="en-US" smtClean="0"/>
-              <a:t>5/17/2024</a:t>
+              <a:t>5/23/2024</a:t>
             </a:fld>
             <a:endParaRPr lang="en-US"/>
           </a:p>
@@ -1414,7 +1415,7 @@
           <a:p>
             <a:fld id="{37A2730A-859E-B540-ADF3-E97069AD1FDB}" type="datetimeFigureOut">
               <a:rPr lang="en-US" smtClean="0"/>
-              <a:t>5/17/2024</a:t>
+              <a:t>5/23/2024</a:t>
             </a:fld>
             <a:endParaRPr lang="en-US"/>
           </a:p>
@@ -1826,7 +1827,7 @@
           <a:p>
             <a:fld id="{37A2730A-859E-B540-ADF3-E97069AD1FDB}" type="datetimeFigureOut">
               <a:rPr lang="en-US" smtClean="0"/>
-              <a:t>5/17/2024</a:t>
+              <a:t>5/23/2024</a:t>
             </a:fld>
             <a:endParaRPr lang="en-US"/>
           </a:p>
@@ -1967,7 +1968,7 @@
           <a:p>
             <a:fld id="{37A2730A-859E-B540-ADF3-E97069AD1FDB}" type="datetimeFigureOut">
               <a:rPr lang="en-US" smtClean="0"/>
-              <a:t>5/17/2024</a:t>
+              <a:t>5/23/2024</a:t>
             </a:fld>
             <a:endParaRPr lang="en-US"/>
           </a:p>
@@ -2080,7 +2081,7 @@
           <a:p>
             <a:fld id="{37A2730A-859E-B540-ADF3-E97069AD1FDB}" type="datetimeFigureOut">
               <a:rPr lang="en-US" smtClean="0"/>
-              <a:t>5/17/2024</a:t>
+              <a:t>5/23/2024</a:t>
             </a:fld>
             <a:endParaRPr lang="en-US"/>
           </a:p>
@@ -2391,7 +2392,7 @@
           <a:p>
             <a:fld id="{37A2730A-859E-B540-ADF3-E97069AD1FDB}" type="datetimeFigureOut">
               <a:rPr lang="en-US" smtClean="0"/>
-              <a:t>5/17/2024</a:t>
+              <a:t>5/23/2024</a:t>
             </a:fld>
             <a:endParaRPr lang="en-US"/>
           </a:p>
@@ -2679,7 +2680,7 @@
           <a:p>
             <a:fld id="{37A2730A-859E-B540-ADF3-E97069AD1FDB}" type="datetimeFigureOut">
               <a:rPr lang="en-US" smtClean="0"/>
-              <a:t>5/17/2024</a:t>
+              <a:t>5/23/2024</a:t>
             </a:fld>
             <a:endParaRPr lang="en-US"/>
           </a:p>
@@ -2920,7 +2921,7 @@
           <a:p>
             <a:fld id="{37A2730A-859E-B540-ADF3-E97069AD1FDB}" type="datetimeFigureOut">
               <a:rPr lang="en-US" smtClean="0"/>
-              <a:t>5/17/2024</a:t>
+              <a:t>5/23/2024</a:t>
             </a:fld>
             <a:endParaRPr lang="en-US"/>
           </a:p>
@@ -3541,6 +3542,250 @@
     <p:extLst>
       <p:ext uri="{BB962C8B-B14F-4D97-AF65-F5344CB8AC3E}">
         <p14:creationId xmlns:p14="http://schemas.microsoft.com/office/powerpoint/2010/main" val="3211859542"/>
+      </p:ext>
+    </p:extLst>
+  </p:cSld>
+  <p:clrMapOvr>
+    <a:masterClrMapping/>
+  </p:clrMapOvr>
+</p:sld>
+</file>
+
+<file path=ppt/slides/slide2.xml><?xml version="1.0" encoding="utf-8"?>
+<p:sld xmlns:a="http://schemas.openxmlformats.org/drawingml/2006/main" xmlns:r="http://schemas.openxmlformats.org/officeDocument/2006/relationships" xmlns:p="http://schemas.openxmlformats.org/presentationml/2006/main">
+  <p:cSld>
+    <p:spTree>
+      <p:nvGrpSpPr>
+        <p:cNvPr id="1" name=""/>
+        <p:cNvGrpSpPr/>
+        <p:nvPr/>
+      </p:nvGrpSpPr>
+      <p:grpSpPr>
+        <a:xfrm>
+          <a:off x="0" y="0"/>
+          <a:ext cx="0" cy="0"/>
+          <a:chOff x="0" y="0"/>
+          <a:chExt cx="0" cy="0"/>
+        </a:xfrm>
+      </p:grpSpPr>
+      <p:sp>
+        <p:nvSpPr>
+          <p:cNvPr id="6" name="Add-in_Banner">
+            <a:extLst>
+              <a:ext uri="{FF2B5EF4-FFF2-40B4-BE49-F238E27FC236}">
+                <a16:creationId xmlns:a16="http://schemas.microsoft.com/office/drawing/2014/main" id="{3469E413-BCF5-4E2F-BE4B-EB617C589FA5}"/>
+              </a:ext>
+            </a:extLst>
+          </p:cNvPr>
+          <p:cNvSpPr txBox="1">
+            <a:spLocks noGrp="1"/>
+          </p:cNvSpPr>
+          <p:nvPr>
+            <p:ph type="title"/>
+          </p:nvPr>
+        </p:nvSpPr>
+        <p:spPr>
+          <a:xfrm>
+            <a:off x="0" y="78509"/>
+            <a:ext cx="12192000" cy="612815"/>
+          </a:xfrm>
+          <a:prstGeom prst="rect">
+            <a:avLst/>
+          </a:prstGeom>
+          <a:solidFill>
+            <a:srgbClr val="494748">
+              <a:alpha val="4706"/>
+            </a:srgbClr>
+          </a:solidFill>
+          <a:ln>
+            <a:noFill/>
+          </a:ln>
+        </p:spPr>
+        <p:style>
+          <a:lnRef idx="2">
+            <a:schemeClr val="accent1">
+              <a:shade val="50000"/>
+            </a:schemeClr>
+          </a:lnRef>
+          <a:fillRef idx="1">
+            <a:schemeClr val="accent1"/>
+          </a:fillRef>
+          <a:effectRef idx="0">
+            <a:schemeClr val="accent1"/>
+          </a:effectRef>
+          <a:fontRef idx="minor">
+            <a:schemeClr val="lt1"/>
+          </a:fontRef>
+        </p:style>
+        <p:txBody>
+          <a:bodyPr rot="0" spcFirstLastPara="0" vert="horz" wrap="square" lIns="1332000" tIns="180000" rIns="216000" bIns="180000" numCol="1" spcCol="0" rtlCol="0" fromWordArt="0" anchor="ctr" anchorCtr="0" forceAA="0" compatLnSpc="1">
+            <a:prstTxWarp prst="textNoShape">
+              <a:avLst/>
+            </a:prstTxWarp>
+            <a:spAutoFit/>
+          </a:bodyPr>
+          <a:lstStyle/>
+          <a:p>
+            <a:pPr algn="l" rtl="0">
+              <a:spcAft>
+                <a:spcPts val="0"/>
+              </a:spcAft>
+            </a:pPr>
+            <a:r>
+              <a:rPr lang="en-GB" sz="1800" dirty="0">
+                <a:solidFill>
+                  <a:srgbClr val="000000"/>
+                </a:solidFill>
+                <a:latin typeface="Segoe UI Light" panose="020B0502040204020203" pitchFamily="34" charset="0"/>
+                <a:ea typeface="Calibri" panose="020F0502020204030204" pitchFamily="34" charset="0"/>
+                <a:cs typeface="Segoe UI Light" panose="020B0502040204020203" pitchFamily="34" charset="0"/>
+              </a:rPr>
+              <a:t>    </a:t>
+            </a:r>
+            <a:r>
+              <a:rPr lang="en-GB" sz="1800" dirty="0" err="1">
+                <a:solidFill>
+                  <a:srgbClr val="000000"/>
+                </a:solidFill>
+                <a:effectLst/>
+                <a:latin typeface="Segoe UI Light" panose="020B0502040204020203" pitchFamily="34" charset="0"/>
+                <a:ea typeface="Calibri" panose="020F0502020204030204" pitchFamily="34" charset="0"/>
+                <a:cs typeface="Segoe UI Light" panose="020B0502040204020203" pitchFamily="34" charset="0"/>
+              </a:rPr>
+              <a:t>Uso</a:t>
+            </a:r>
+            <a:r>
+              <a:rPr lang="en-GB" sz="1800" dirty="0">
+                <a:solidFill>
+                  <a:srgbClr val="000000"/>
+                </a:solidFill>
+                <a:effectLst/>
+                <a:latin typeface="Segoe UI Light" panose="020B0502040204020203" pitchFamily="34" charset="0"/>
+                <a:ea typeface="Calibri" panose="020F0502020204030204" pitchFamily="34" charset="0"/>
+                <a:cs typeface="Segoe UI Light" panose="020B0502040204020203" pitchFamily="34" charset="0"/>
+              </a:rPr>
+              <a:t> do </a:t>
+            </a:r>
+            <a:r>
+              <a:rPr lang="en-GB" sz="1800" dirty="0" err="1">
+                <a:solidFill>
+                  <a:srgbClr val="000000"/>
+                </a:solidFill>
+                <a:effectLst/>
+                <a:latin typeface="Segoe UI Light" panose="020B0502040204020203" pitchFamily="34" charset="0"/>
+                <a:ea typeface="Calibri" panose="020F0502020204030204" pitchFamily="34" charset="0"/>
+                <a:cs typeface="Segoe UI Light" panose="020B0502040204020203" pitchFamily="34" charset="0"/>
+              </a:rPr>
+              <a:t>Streamlit</a:t>
+            </a:r>
+            <a:r>
+              <a:rPr lang="en-GB" sz="1800" dirty="0">
+                <a:solidFill>
+                  <a:srgbClr val="000000"/>
+                </a:solidFill>
+                <a:effectLst/>
+                <a:latin typeface="Segoe UI Light" panose="020B0502040204020203" pitchFamily="34" charset="0"/>
+                <a:ea typeface="Calibri" panose="020F0502020204030204" pitchFamily="34" charset="0"/>
+                <a:cs typeface="Segoe UI Light" panose="020B0502040204020203" pitchFamily="34" charset="0"/>
+              </a:rPr>
+              <a:t> para </a:t>
+            </a:r>
+            <a:r>
+              <a:rPr lang="en-GB" sz="1800" dirty="0" err="1">
+                <a:solidFill>
+                  <a:srgbClr val="000000"/>
+                </a:solidFill>
+                <a:effectLst/>
+                <a:latin typeface="Segoe UI Light" panose="020B0502040204020203" pitchFamily="34" charset="0"/>
+                <a:ea typeface="Calibri" panose="020F0502020204030204" pitchFamily="34" charset="0"/>
+                <a:cs typeface="Segoe UI Light" panose="020B0502040204020203" pitchFamily="34" charset="0"/>
+              </a:rPr>
+              <a:t>exibição</a:t>
+            </a:r>
+            <a:r>
+              <a:rPr lang="en-GB" sz="1800" dirty="0">
+                <a:solidFill>
+                  <a:srgbClr val="000000"/>
+                </a:solidFill>
+                <a:effectLst/>
+                <a:latin typeface="Segoe UI Light" panose="020B0502040204020203" pitchFamily="34" charset="0"/>
+                <a:ea typeface="Calibri" panose="020F0502020204030204" pitchFamily="34" charset="0"/>
+                <a:cs typeface="Segoe UI Light" panose="020B0502040204020203" pitchFamily="34" charset="0"/>
+              </a:rPr>
+              <a:t> de </a:t>
+            </a:r>
+            <a:r>
+              <a:rPr lang="en-GB" sz="1800" dirty="0" err="1">
+                <a:solidFill>
+                  <a:srgbClr val="000000"/>
+                </a:solidFill>
+                <a:effectLst/>
+                <a:latin typeface="Segoe UI Light" panose="020B0502040204020203" pitchFamily="34" charset="0"/>
+                <a:ea typeface="Calibri" panose="020F0502020204030204" pitchFamily="34" charset="0"/>
+                <a:cs typeface="Segoe UI Light" panose="020B0502040204020203" pitchFamily="34" charset="0"/>
+              </a:rPr>
+              <a:t>gráficos</a:t>
+            </a:r>
+            <a:endParaRPr lang="en-IE" sz="1200" dirty="0">
+              <a:effectLst/>
+              <a:latin typeface="Segoe UI Light" panose="020B0502040204020203" pitchFamily="34" charset="0"/>
+              <a:ea typeface="Calibri" panose="020F0502020204030204" pitchFamily="34" charset="0"/>
+              <a:cs typeface="Segoe UI Light" panose="020B0502040204020203" pitchFamily="34" charset="0"/>
+            </a:endParaRPr>
+          </a:p>
+        </p:txBody>
+      </p:sp>
+      <p:pic>
+        <p:nvPicPr>
+          <p:cNvPr id="1026" name="Picture 2" descr="New Data Science Project with Streamlit and Python - QUANTLABS.NET">
+            <a:extLst>
+              <a:ext uri="{FF2B5EF4-FFF2-40B4-BE49-F238E27FC236}">
+                <a16:creationId xmlns:a16="http://schemas.microsoft.com/office/drawing/2014/main" id="{1EEEBCF6-06BE-F363-6D03-3B9CF5772623}"/>
+              </a:ext>
+            </a:extLst>
+          </p:cNvPr>
+          <p:cNvPicPr>
+            <a:picLocks noChangeAspect="1" noChangeArrowheads="1"/>
+          </p:cNvPicPr>
+          <p:nvPr/>
+        </p:nvPicPr>
+        <p:blipFill>
+          <a:blip r:embed="rId2">
+            <a:extLst>
+              <a:ext uri="{28A0092B-C50C-407E-A947-70E740481C1C}">
+                <a14:useLocalDpi xmlns:a14="http://schemas.microsoft.com/office/drawing/2010/main" val="0"/>
+              </a:ext>
+            </a:extLst>
+          </a:blip>
+          <a:srcRect/>
+          <a:stretch>
+            <a:fillRect/>
+          </a:stretch>
+        </p:blipFill>
+        <p:spPr bwMode="auto">
+          <a:xfrm>
+            <a:off x="701779" y="78509"/>
+            <a:ext cx="868304" cy="508000"/>
+          </a:xfrm>
+          <a:prstGeom prst="rect">
+            <a:avLst/>
+          </a:prstGeom>
+          <a:noFill/>
+          <a:extLst>
+            <a:ext uri="{909E8E84-426E-40DD-AFC4-6F175D3DCCD1}">
+              <a14:hiddenFill xmlns:a14="http://schemas.microsoft.com/office/drawing/2010/main">
+                <a:solidFill>
+                  <a:srgbClr val="FFFFFF"/>
+                </a:solidFill>
+              </a14:hiddenFill>
+            </a:ext>
+          </a:extLst>
+        </p:spPr>
+      </p:pic>
+    </p:spTree>
+    <p:extLst>
+      <p:ext uri="{BB962C8B-B14F-4D97-AF65-F5344CB8AC3E}">
+        <p14:creationId xmlns:p14="http://schemas.microsoft.com/office/powerpoint/2010/main" val="275667803"/>
       </p:ext>
     </p:extLst>
   </p:cSld>
@@ -3881,24 +4126,6 @@
 </file>
 
 <file path=customXml/item1.xml><?xml version="1.0" encoding="utf-8"?>
-<p:properties xmlns:p="http://schemas.microsoft.com/office/2006/metadata/properties" xmlns:xsi="http://www.w3.org/2001/XMLSchema-instance" xmlns:pc="http://schemas.microsoft.com/office/infopath/2007/PartnerControls">
-  <documentManagement>
-    <Document_x0020_Purpose xmlns="f577acbf-5b0b-4b4f-9948-268e97f8d3a4">Informational</Document_x0020_Purpose>
-    <Initiatives xmlns="f577acbf-5b0b-4b4f-9948-268e97f8d3a4"/>
-  </documentManagement>
-</p:properties>
-</file>
-
-<file path=customXml/item2.xml><?xml version="1.0" encoding="utf-8"?>
-<?mso-contentType ?>
-<FormTemplates xmlns="http://schemas.microsoft.com/sharepoint/v3/contenttype/forms">
-  <Display>DocumentLibraryForm</Display>
-  <Edit>DocumentLibraryForm</Edit>
-  <New>DocumentLibraryForm</New>
-</FormTemplates>
-</file>
-
-<file path=customXml/item3.xml><?xml version="1.0" encoding="utf-8"?>
 <ct:contentTypeSchema xmlns:ct="http://schemas.microsoft.com/office/2006/metadata/contentType" xmlns:ma="http://schemas.microsoft.com/office/2006/metadata/properties/metaAttributes" ct:_="" ma:_="" ma:contentTypeName="Document" ma:contentTypeID="0x010100CD401524DC532D42A0E0ED886331A72B" ma:contentTypeVersion="15" ma:contentTypeDescription="Create a new document." ma:contentTypeScope="" ma:versionID="aba17d7263e5a17e1efe42a3571abb41">
   <xsd:schema xmlns:xsd="http://www.w3.org/2001/XMLSchema" xmlns:xs="http://www.w3.org/2001/XMLSchema" xmlns:p="http://schemas.microsoft.com/office/2006/metadata/properties" xmlns:ns2="f577acbf-5b0b-4b4f-9948-268e97f8d3a4" xmlns:ns3="b1e4d6ee-9f6f-43f8-a618-24f3d84da28f" targetNamespace="http://schemas.microsoft.com/office/2006/metadata/properties" ma:root="true" ma:fieldsID="e4e3c9c8ed1c3d723d02c9f1cb24d19a" ns2:_="" ns3:_="">
     <xsd:import namespace="f577acbf-5b0b-4b4f-9948-268e97f8d3a4"/>
@@ -4154,32 +4381,25 @@
 </ct:contentTypeSchema>
 </file>
 
-<file path=customXml/itemProps1.xml><?xml version="1.0" encoding="utf-8"?>
-<ds:datastoreItem xmlns:ds="http://schemas.openxmlformats.org/officeDocument/2006/customXml" ds:itemID="{617AB1FA-2F28-4684-9230-02ACEB6C0B0A}">
-  <ds:schemaRefs>
-    <ds:schemaRef ds:uri="http://purl.org/dc/elements/1.1/"/>
-    <ds:schemaRef ds:uri="http://schemas.microsoft.com/office/2006/metadata/properties"/>
-    <ds:schemaRef ds:uri="b1e4d6ee-9f6f-43f8-a618-24f3d84da28f"/>
-    <ds:schemaRef ds:uri="http://schemas.microsoft.com/office/2006/documentManagement/types"/>
-    <ds:schemaRef ds:uri="http://purl.org/dc/terms/"/>
-    <ds:schemaRef ds:uri="http://schemas.openxmlformats.org/package/2006/metadata/core-properties"/>
-    <ds:schemaRef ds:uri="f577acbf-5b0b-4b4f-9948-268e97f8d3a4"/>
-    <ds:schemaRef ds:uri="http://purl.org/dc/dcmitype/"/>
-    <ds:schemaRef ds:uri="http://schemas.microsoft.com/office/infopath/2007/PartnerControls"/>
-    <ds:schemaRef ds:uri="http://www.w3.org/XML/1998/namespace"/>
-  </ds:schemaRefs>
-</ds:datastoreItem>
+<file path=customXml/item2.xml><?xml version="1.0" encoding="utf-8"?>
+<?mso-contentType ?>
+<FormTemplates xmlns="http://schemas.microsoft.com/sharepoint/v3/contenttype/forms">
+  <Display>DocumentLibraryForm</Display>
+  <Edit>DocumentLibraryForm</Edit>
+  <New>DocumentLibraryForm</New>
+</FormTemplates>
 </file>
 
-<file path=customXml/itemProps2.xml><?xml version="1.0" encoding="utf-8"?>
-<ds:datastoreItem xmlns:ds="http://schemas.openxmlformats.org/officeDocument/2006/customXml" ds:itemID="{E21AFCC0-734A-4A90-A597-A1CB34860DCD}">
-  <ds:schemaRefs>
-    <ds:schemaRef ds:uri="http://schemas.microsoft.com/sharepoint/v3/contenttype/forms"/>
-  </ds:schemaRefs>
-</ds:datastoreItem>
+<file path=customXml/item3.xml><?xml version="1.0" encoding="utf-8"?>
+<p:properties xmlns:p="http://schemas.microsoft.com/office/2006/metadata/properties" xmlns:xsi="http://www.w3.org/2001/XMLSchema-instance" xmlns:pc="http://schemas.microsoft.com/office/infopath/2007/PartnerControls">
+  <documentManagement>
+    <Document_x0020_Purpose xmlns="f577acbf-5b0b-4b4f-9948-268e97f8d3a4">Informational</Document_x0020_Purpose>
+    <Initiatives xmlns="f577acbf-5b0b-4b4f-9948-268e97f8d3a4"/>
+  </documentManagement>
+</p:properties>
 </file>
 
-<file path=customXml/itemProps3.xml><?xml version="1.0" encoding="utf-8"?>
+<file path=customXml/itemProps1.xml><?xml version="1.0" encoding="utf-8"?>
 <ds:datastoreItem xmlns:ds="http://schemas.openxmlformats.org/officeDocument/2006/customXml" ds:itemID="{1DD29C39-1C4E-4B06-A1F4-2510F2DACF6E}">
   <ds:schemaRefs>
     <ds:schemaRef ds:uri="http://schemas.microsoft.com/office/2006/metadata/contentType"/>
@@ -4196,4 +4416,29 @@
     <ds:schemaRef ds:uri="http://schemas.microsoft.com/internal/obd"/>
   </ds:schemaRefs>
 </ds:datastoreItem>
+</file>
+
+<file path=customXml/itemProps2.xml><?xml version="1.0" encoding="utf-8"?>
+<ds:datastoreItem xmlns:ds="http://schemas.openxmlformats.org/officeDocument/2006/customXml" ds:itemID="{E21AFCC0-734A-4A90-A597-A1CB34860DCD}">
+  <ds:schemaRefs>
+    <ds:schemaRef ds:uri="http://schemas.microsoft.com/sharepoint/v3/contenttype/forms"/>
+  </ds:schemaRefs>
+</ds:datastoreItem>
+</file>
+
+<file path=customXml/itemProps3.xml><?xml version="1.0" encoding="utf-8"?>
+<ds:datastoreItem xmlns:ds="http://schemas.openxmlformats.org/officeDocument/2006/customXml" ds:itemID="{617AB1FA-2F28-4684-9230-02ACEB6C0B0A}">
+  <ds:schemaRefs>
+    <ds:schemaRef ds:uri="http://purl.org/dc/elements/1.1/"/>
+    <ds:schemaRef ds:uri="http://schemas.microsoft.com/office/2006/metadata/properties"/>
+    <ds:schemaRef ds:uri="b1e4d6ee-9f6f-43f8-a618-24f3d84da28f"/>
+    <ds:schemaRef ds:uri="http://schemas.microsoft.com/office/2006/documentManagement/types"/>
+    <ds:schemaRef ds:uri="http://purl.org/dc/terms/"/>
+    <ds:schemaRef ds:uri="http://schemas.openxmlformats.org/package/2006/metadata/core-properties"/>
+    <ds:schemaRef ds:uri="f577acbf-5b0b-4b4f-9948-268e97f8d3a4"/>
+    <ds:schemaRef ds:uri="http://purl.org/dc/dcmitype/"/>
+    <ds:schemaRef ds:uri="http://schemas.microsoft.com/office/infopath/2007/PartnerControls"/>
+    <ds:schemaRef ds:uri="http://www.w3.org/XML/1998/namespace"/>
+  </ds:schemaRefs>
+</ds:datastoreItem>
 </file>
--- a/powerPoint_bigData.pptx
+++ b/powerPoint_bigData.pptx
@@ -6,12 +6,11 @@
   </p:sldMasterIdLst>
   <p:sldIdLst>
     <p:sldId id="256" r:id="rId5"/>
-    <p:sldId id="257" r:id="rId6"/>
   </p:sldIdLst>
   <p:sldSz cx="12192000" cy="6858000"/>
   <p:notesSz cx="6858000" cy="9144000"/>
   <p:custDataLst>
-    <p:tags r:id="rId7"/>
+    <p:tags r:id="rId6"/>
   </p:custDataLst>
   <p:defaultTextStyle>
     <a:defPPr>
@@ -271,7 +270,7 @@
           <a:p>
             <a:fld id="{37A2730A-859E-B540-ADF3-E97069AD1FDB}" type="datetimeFigureOut">
               <a:rPr lang="en-US" smtClean="0"/>
-              <a:t>5/23/2024</a:t>
+              <a:t>6/7/2024</a:t>
             </a:fld>
             <a:endParaRPr lang="en-US"/>
           </a:p>
@@ -469,7 +468,7 @@
           <a:p>
             <a:fld id="{37A2730A-859E-B540-ADF3-E97069AD1FDB}" type="datetimeFigureOut">
               <a:rPr lang="en-US" smtClean="0"/>
-              <a:t>5/23/2024</a:t>
+              <a:t>6/7/2024</a:t>
             </a:fld>
             <a:endParaRPr lang="en-US"/>
           </a:p>
@@ -677,7 +676,7 @@
           <a:p>
             <a:fld id="{37A2730A-859E-B540-ADF3-E97069AD1FDB}" type="datetimeFigureOut">
               <a:rPr lang="en-US" smtClean="0"/>
-              <a:t>5/23/2024</a:t>
+              <a:t>6/7/2024</a:t>
             </a:fld>
             <a:endParaRPr lang="en-US"/>
           </a:p>
@@ -875,7 +874,7 @@
           <a:p>
             <a:fld id="{37A2730A-859E-B540-ADF3-E97069AD1FDB}" type="datetimeFigureOut">
               <a:rPr lang="en-US" smtClean="0"/>
-              <a:t>5/23/2024</a:t>
+              <a:t>6/7/2024</a:t>
             </a:fld>
             <a:endParaRPr lang="en-US"/>
           </a:p>
@@ -1150,7 +1149,7 @@
           <a:p>
             <a:fld id="{37A2730A-859E-B540-ADF3-E97069AD1FDB}" type="datetimeFigureOut">
               <a:rPr lang="en-US" smtClean="0"/>
-              <a:t>5/23/2024</a:t>
+              <a:t>6/7/2024</a:t>
             </a:fld>
             <a:endParaRPr lang="en-US"/>
           </a:p>
@@ -1415,7 +1414,7 @@
           <a:p>
             <a:fld id="{37A2730A-859E-B540-ADF3-E97069AD1FDB}" type="datetimeFigureOut">
               <a:rPr lang="en-US" smtClean="0"/>
-              <a:t>5/23/2024</a:t>
+              <a:t>6/7/2024</a:t>
             </a:fld>
             <a:endParaRPr lang="en-US"/>
           </a:p>
@@ -1827,7 +1826,7 @@
           <a:p>
             <a:fld id="{37A2730A-859E-B540-ADF3-E97069AD1FDB}" type="datetimeFigureOut">
               <a:rPr lang="en-US" smtClean="0"/>
-              <a:t>5/23/2024</a:t>
+              <a:t>6/7/2024</a:t>
             </a:fld>
             <a:endParaRPr lang="en-US"/>
           </a:p>
@@ -1968,7 +1967,7 @@
           <a:p>
             <a:fld id="{37A2730A-859E-B540-ADF3-E97069AD1FDB}" type="datetimeFigureOut">
               <a:rPr lang="en-US" smtClean="0"/>
-              <a:t>5/23/2024</a:t>
+              <a:t>6/7/2024</a:t>
             </a:fld>
             <a:endParaRPr lang="en-US"/>
           </a:p>
@@ -2081,7 +2080,7 @@
           <a:p>
             <a:fld id="{37A2730A-859E-B540-ADF3-E97069AD1FDB}" type="datetimeFigureOut">
               <a:rPr lang="en-US" smtClean="0"/>
-              <a:t>5/23/2024</a:t>
+              <a:t>6/7/2024</a:t>
             </a:fld>
             <a:endParaRPr lang="en-US"/>
           </a:p>
@@ -2392,7 +2391,7 @@
           <a:p>
             <a:fld id="{37A2730A-859E-B540-ADF3-E97069AD1FDB}" type="datetimeFigureOut">
               <a:rPr lang="en-US" smtClean="0"/>
-              <a:t>5/23/2024</a:t>
+              <a:t>6/7/2024</a:t>
             </a:fld>
             <a:endParaRPr lang="en-US"/>
           </a:p>
@@ -2680,7 +2679,7 @@
           <a:p>
             <a:fld id="{37A2730A-859E-B540-ADF3-E97069AD1FDB}" type="datetimeFigureOut">
               <a:rPr lang="en-US" smtClean="0"/>
-              <a:t>5/23/2024</a:t>
+              <a:t>6/7/2024</a:t>
             </a:fld>
             <a:endParaRPr lang="en-US"/>
           </a:p>
@@ -2921,7 +2920,7 @@
           <a:p>
             <a:fld id="{37A2730A-859E-B540-ADF3-E97069AD1FDB}" type="datetimeFigureOut">
               <a:rPr lang="en-US" smtClean="0"/>
-              <a:t>5/23/2024</a:t>
+              <a:t>6/7/2024</a:t>
             </a:fld>
             <a:endParaRPr lang="en-US"/>
           </a:p>
@@ -3551,250 +3550,6 @@
 </p:sld>
 </file>
 
-<file path=ppt/slides/slide2.xml><?xml version="1.0" encoding="utf-8"?>
-<p:sld xmlns:a="http://schemas.openxmlformats.org/drawingml/2006/main" xmlns:r="http://schemas.openxmlformats.org/officeDocument/2006/relationships" xmlns:p="http://schemas.openxmlformats.org/presentationml/2006/main">
-  <p:cSld>
-    <p:spTree>
-      <p:nvGrpSpPr>
-        <p:cNvPr id="1" name=""/>
-        <p:cNvGrpSpPr/>
-        <p:nvPr/>
-      </p:nvGrpSpPr>
-      <p:grpSpPr>
-        <a:xfrm>
-          <a:off x="0" y="0"/>
-          <a:ext cx="0" cy="0"/>
-          <a:chOff x="0" y="0"/>
-          <a:chExt cx="0" cy="0"/>
-        </a:xfrm>
-      </p:grpSpPr>
-      <p:sp>
-        <p:nvSpPr>
-          <p:cNvPr id="6" name="Add-in_Banner">
-            <a:extLst>
-              <a:ext uri="{FF2B5EF4-FFF2-40B4-BE49-F238E27FC236}">
-                <a16:creationId xmlns:a16="http://schemas.microsoft.com/office/drawing/2014/main" id="{3469E413-BCF5-4E2F-BE4B-EB617C589FA5}"/>
-              </a:ext>
-            </a:extLst>
-          </p:cNvPr>
-          <p:cNvSpPr txBox="1">
-            <a:spLocks noGrp="1"/>
-          </p:cNvSpPr>
-          <p:nvPr>
-            <p:ph type="title"/>
-          </p:nvPr>
-        </p:nvSpPr>
-        <p:spPr>
-          <a:xfrm>
-            <a:off x="0" y="78509"/>
-            <a:ext cx="12192000" cy="612815"/>
-          </a:xfrm>
-          <a:prstGeom prst="rect">
-            <a:avLst/>
-          </a:prstGeom>
-          <a:solidFill>
-            <a:srgbClr val="494748">
-              <a:alpha val="4706"/>
-            </a:srgbClr>
-          </a:solidFill>
-          <a:ln>
-            <a:noFill/>
-          </a:ln>
-        </p:spPr>
-        <p:style>
-          <a:lnRef idx="2">
-            <a:schemeClr val="accent1">
-              <a:shade val="50000"/>
-            </a:schemeClr>
-          </a:lnRef>
-          <a:fillRef idx="1">
-            <a:schemeClr val="accent1"/>
-          </a:fillRef>
-          <a:effectRef idx="0">
-            <a:schemeClr val="accent1"/>
-          </a:effectRef>
-          <a:fontRef idx="minor">
-            <a:schemeClr val="lt1"/>
-          </a:fontRef>
-        </p:style>
-        <p:txBody>
-          <a:bodyPr rot="0" spcFirstLastPara="0" vert="horz" wrap="square" lIns="1332000" tIns="180000" rIns="216000" bIns="180000" numCol="1" spcCol="0" rtlCol="0" fromWordArt="0" anchor="ctr" anchorCtr="0" forceAA="0" compatLnSpc="1">
-            <a:prstTxWarp prst="textNoShape">
-              <a:avLst/>
-            </a:prstTxWarp>
-            <a:spAutoFit/>
-          </a:bodyPr>
-          <a:lstStyle/>
-          <a:p>
-            <a:pPr algn="l" rtl="0">
-              <a:spcAft>
-                <a:spcPts val="0"/>
-              </a:spcAft>
-            </a:pPr>
-            <a:r>
-              <a:rPr lang="en-GB" sz="1800" dirty="0">
-                <a:solidFill>
-                  <a:srgbClr val="000000"/>
-                </a:solidFill>
-                <a:latin typeface="Segoe UI Light" panose="020B0502040204020203" pitchFamily="34" charset="0"/>
-                <a:ea typeface="Calibri" panose="020F0502020204030204" pitchFamily="34" charset="0"/>
-                <a:cs typeface="Segoe UI Light" panose="020B0502040204020203" pitchFamily="34" charset="0"/>
-              </a:rPr>
-              <a:t>    </a:t>
-            </a:r>
-            <a:r>
-              <a:rPr lang="en-GB" sz="1800" dirty="0" err="1">
-                <a:solidFill>
-                  <a:srgbClr val="000000"/>
-                </a:solidFill>
-                <a:effectLst/>
-                <a:latin typeface="Segoe UI Light" panose="020B0502040204020203" pitchFamily="34" charset="0"/>
-                <a:ea typeface="Calibri" panose="020F0502020204030204" pitchFamily="34" charset="0"/>
-                <a:cs typeface="Segoe UI Light" panose="020B0502040204020203" pitchFamily="34" charset="0"/>
-              </a:rPr>
-              <a:t>Uso</a:t>
-            </a:r>
-            <a:r>
-              <a:rPr lang="en-GB" sz="1800" dirty="0">
-                <a:solidFill>
-                  <a:srgbClr val="000000"/>
-                </a:solidFill>
-                <a:effectLst/>
-                <a:latin typeface="Segoe UI Light" panose="020B0502040204020203" pitchFamily="34" charset="0"/>
-                <a:ea typeface="Calibri" panose="020F0502020204030204" pitchFamily="34" charset="0"/>
-                <a:cs typeface="Segoe UI Light" panose="020B0502040204020203" pitchFamily="34" charset="0"/>
-              </a:rPr>
-              <a:t> do </a:t>
-            </a:r>
-            <a:r>
-              <a:rPr lang="en-GB" sz="1800" dirty="0" err="1">
-                <a:solidFill>
-                  <a:srgbClr val="000000"/>
-                </a:solidFill>
-                <a:effectLst/>
-                <a:latin typeface="Segoe UI Light" panose="020B0502040204020203" pitchFamily="34" charset="0"/>
-                <a:ea typeface="Calibri" panose="020F0502020204030204" pitchFamily="34" charset="0"/>
-                <a:cs typeface="Segoe UI Light" panose="020B0502040204020203" pitchFamily="34" charset="0"/>
-              </a:rPr>
-              <a:t>Streamlit</a:t>
-            </a:r>
-            <a:r>
-              <a:rPr lang="en-GB" sz="1800" dirty="0">
-                <a:solidFill>
-                  <a:srgbClr val="000000"/>
-                </a:solidFill>
-                <a:effectLst/>
-                <a:latin typeface="Segoe UI Light" panose="020B0502040204020203" pitchFamily="34" charset="0"/>
-                <a:ea typeface="Calibri" panose="020F0502020204030204" pitchFamily="34" charset="0"/>
-                <a:cs typeface="Segoe UI Light" panose="020B0502040204020203" pitchFamily="34" charset="0"/>
-              </a:rPr>
-              <a:t> para </a:t>
-            </a:r>
-            <a:r>
-              <a:rPr lang="en-GB" sz="1800" dirty="0" err="1">
-                <a:solidFill>
-                  <a:srgbClr val="000000"/>
-                </a:solidFill>
-                <a:effectLst/>
-                <a:latin typeface="Segoe UI Light" panose="020B0502040204020203" pitchFamily="34" charset="0"/>
-                <a:ea typeface="Calibri" panose="020F0502020204030204" pitchFamily="34" charset="0"/>
-                <a:cs typeface="Segoe UI Light" panose="020B0502040204020203" pitchFamily="34" charset="0"/>
-              </a:rPr>
-              <a:t>exibição</a:t>
-            </a:r>
-            <a:r>
-              <a:rPr lang="en-GB" sz="1800" dirty="0">
-                <a:solidFill>
-                  <a:srgbClr val="000000"/>
-                </a:solidFill>
-                <a:effectLst/>
-                <a:latin typeface="Segoe UI Light" panose="020B0502040204020203" pitchFamily="34" charset="0"/>
-                <a:ea typeface="Calibri" panose="020F0502020204030204" pitchFamily="34" charset="0"/>
-                <a:cs typeface="Segoe UI Light" panose="020B0502040204020203" pitchFamily="34" charset="0"/>
-              </a:rPr>
-              <a:t> de </a:t>
-            </a:r>
-            <a:r>
-              <a:rPr lang="en-GB" sz="1800" dirty="0" err="1">
-                <a:solidFill>
-                  <a:srgbClr val="000000"/>
-                </a:solidFill>
-                <a:effectLst/>
-                <a:latin typeface="Segoe UI Light" panose="020B0502040204020203" pitchFamily="34" charset="0"/>
-                <a:ea typeface="Calibri" panose="020F0502020204030204" pitchFamily="34" charset="0"/>
-                <a:cs typeface="Segoe UI Light" panose="020B0502040204020203" pitchFamily="34" charset="0"/>
-              </a:rPr>
-              <a:t>gráficos</a:t>
-            </a:r>
-            <a:endParaRPr lang="en-IE" sz="1200" dirty="0">
-              <a:effectLst/>
-              <a:latin typeface="Segoe UI Light" panose="020B0502040204020203" pitchFamily="34" charset="0"/>
-              <a:ea typeface="Calibri" panose="020F0502020204030204" pitchFamily="34" charset="0"/>
-              <a:cs typeface="Segoe UI Light" panose="020B0502040204020203" pitchFamily="34" charset="0"/>
-            </a:endParaRPr>
-          </a:p>
-        </p:txBody>
-      </p:sp>
-      <p:pic>
-        <p:nvPicPr>
-          <p:cNvPr id="1026" name="Picture 2" descr="New Data Science Project with Streamlit and Python - QUANTLABS.NET">
-            <a:extLst>
-              <a:ext uri="{FF2B5EF4-FFF2-40B4-BE49-F238E27FC236}">
-                <a16:creationId xmlns:a16="http://schemas.microsoft.com/office/drawing/2014/main" id="{1EEEBCF6-06BE-F363-6D03-3B9CF5772623}"/>
-              </a:ext>
-            </a:extLst>
-          </p:cNvPr>
-          <p:cNvPicPr>
-            <a:picLocks noChangeAspect="1" noChangeArrowheads="1"/>
-          </p:cNvPicPr>
-          <p:nvPr/>
-        </p:nvPicPr>
-        <p:blipFill>
-          <a:blip r:embed="rId2">
-            <a:extLst>
-              <a:ext uri="{28A0092B-C50C-407E-A947-70E740481C1C}">
-                <a14:useLocalDpi xmlns:a14="http://schemas.microsoft.com/office/drawing/2010/main" val="0"/>
-              </a:ext>
-            </a:extLst>
-          </a:blip>
-          <a:srcRect/>
-          <a:stretch>
-            <a:fillRect/>
-          </a:stretch>
-        </p:blipFill>
-        <p:spPr bwMode="auto">
-          <a:xfrm>
-            <a:off x="701779" y="78509"/>
-            <a:ext cx="868304" cy="508000"/>
-          </a:xfrm>
-          <a:prstGeom prst="rect">
-            <a:avLst/>
-          </a:prstGeom>
-          <a:noFill/>
-          <a:extLst>
-            <a:ext uri="{909E8E84-426E-40DD-AFC4-6F175D3DCCD1}">
-              <a14:hiddenFill xmlns:a14="http://schemas.microsoft.com/office/drawing/2010/main">
-                <a:solidFill>
-                  <a:srgbClr val="FFFFFF"/>
-                </a:solidFill>
-              </a14:hiddenFill>
-            </a:ext>
-          </a:extLst>
-        </p:spPr>
-      </p:pic>
-    </p:spTree>
-    <p:extLst>
-      <p:ext uri="{BB962C8B-B14F-4D97-AF65-F5344CB8AC3E}">
-        <p14:creationId xmlns:p14="http://schemas.microsoft.com/office/powerpoint/2010/main" val="275667803"/>
-      </p:ext>
-    </p:extLst>
-  </p:cSld>
-  <p:clrMapOvr>
-    <a:masterClrMapping/>
-  </p:clrMapOvr>
-</p:sld>
-</file>
-
 <file path=ppt/tags/tag1.xml><?xml version="1.0" encoding="utf-8"?>
 <p:tagLst xmlns:a="http://schemas.openxmlformats.org/drawingml/2006/main" xmlns:r="http://schemas.openxmlformats.org/officeDocument/2006/relationships" xmlns:p="http://schemas.openxmlformats.org/presentationml/2006/main">
   <p:tag name="FILE_NAME_PARSED_KEY" val="TRUE"/>
@@ -4102,23 +3857,23 @@
   <we:alternateReferences/>
   <we:properties>
     <we:property name="Microsoft.Office.CampaignId" value="&quot;none&quot;"/>
-    <we:property name="reportUrl" value="&quot;/groups/me/reports/e4f90c74-1dbf-4867-a900-404ea17f3a8c/ReportSection?bookmarkGuid=1cdeb36f-9b87-46b8-ad21-58635386eb2a&amp;bookmarkUsage=1&amp;ctid=da49a844-e2e3-40af-86a6-c3819d704f49&amp;fromEntryPoint=export&quot;"/>
-    <we:property name="reportState" value="&quot;CONNECTED&quot;"/>
     <we:property name="artifactViewState" value="&quot;live&quot;"/>
-    <we:property name="reportEmbeddedTime" value="&quot;2024-05-17T15:29:02.804Z&quot;"/>
+    <we:property name="backgroundColor" value="&quot;#FFFFFF&quot;"/>
+    <we:property name="bookmark" value="&quot;H4sIAAAAAAAAA+1ZzW7jNhB+FUGXvRgLSbb8k9vGSYpg0zZIFumhCAqKHNvcUqRKUul6Az/NHoqe+wh5sQ5JK7tJnZWbxIgD+GBAooYz3/xxhuPrmHFTCTL/iZQQ78XHknFKmNJRGndiGRbzXgqjCe2yES3yhKVpnhb4VVWWK2nivevYEj0Fe8FNTYTjhIu/xpCRdDggBLf0adYfdXM2ii87MRHilEwdzYQIA524Am2UJIJ/hsACP1ldw6ITw6dKKE2coHNLLDhhV0iO7wgsfZvmCIRQy6/gHKgNy2dQKW2b905swpNHeveb4+YljpW0hEvk7Na6tBgMUqBFP+/nRZ4VWeYlT7iwS5Jifvip0qgmKj+vnJXGCG+qNJpPxB64BmOWQsZK1KV/Oryzfq5qTeEMJv6TtNzOkdMHUoAgvyFdpYwl5gfQyHOB5jjVCo3licaqVFEJYobm0VFdRhQ1rIW9+Udz5Yln6s+xBkTF4r1k0bkF+o5dEUlx9T7Kd9OphilpLHO4aRWOD/zKUS2X3sj/C/sSVwyXU7EMja8u+xC0KYgez4i2LiCLj+hX5x7cpDQDvT/3HjrgunF41rmHfxuUXlw2QYyEH7+J1mVMBS1eIIguF25DOhr0ctbrpWkCkA9ZmgzS1nR4VVHWeaks/pFwE/HSnUlEWohkeyK3ZoTAcwwPS/o7sIAYvVyoXZJs0EchT7KsPxyyvDfoZnSA1bI/7Ge7PHkWcD9Hf9QQofHJhCBRxGCNkteaKZNaShC7pNiUQ0JajLKkmwxTlqcsS3Po97qU7dLi+eo3Gn0GFNZpAlszgoraoFOA7e/aqs25JeTFyvvRo/Niczbdklg/xUupO3OulMDrZkT+151n+9u6l8Pq238wESXSwcaTnKqylij/5q+bL9uJdaJ0STzWikxJCdJuFc5QHUtnzpu/oysiUPRnwtRWB8KjeqyXLX2Pmn+89hptBEdOdwpzXIKe+hHVFKQH4UpGFUBwMF/Lyt2ni2aUhvX7SKvSb1uOAl3pb9G0EwdIiau0v8ywb1hWVMl4U/mP71nTrF90w4uHsqoyocwLImo/bESWJ9wGza/DspsPJieOzpVb93M7GLFkhXFKxbz5wJfblcze7BPD6Zt4sQjsHugtbiFtriS7CKGEzoAdeU8ehBHusYUyCOa+vzYUtx2zENZlRTQ3TZA3b++5dDHXiU9gYjfbRZzx6cw+YNrgJ98U3R1Hp0nsnIZeIdI0M+Cgo1YijJmXBkcyAVcgwlc8yfQc4XqKlTDfIi7cww2qLEhlXPK5oTMuMfAKvof5hv3oxJ9yvIOyZuC9FvLWTugBvR4jq7WTWSVrXd5tncdz8F7VKTyB7/qV/clCvluJn8D9+5XzqYwfrHQrGeOiVsqfC03aNQeorIVYHrR4O8qBZEW32ytG0E0oBbKbILxU99/aoDAla9tMD0ht1TkIrJAX39As//nbjRY24K/l1K03gT6DfES6SU6TdDDq09aceS3XuVeV2+1Dt/AvzW7ctpkw8q2/27LqvqRqaypC4ZRIWHEv8J0nA9ZyN/DH2e3NYLH4F52XcU9XIQAA&quot;"/>
     <we:property name="creatorSessionId" value="&quot;221136d6-1a11-4269-8d93-56eb0adbb5c6&quot;"/>
+    <we:property name="creatorTenantId" value="&quot;da49a844-e2e3-40af-86a6-c3819d704f49&quot;"/>
     <we:property name="creatorUserId" value="&quot;10032001E17A66FA&quot;"/>
-    <we:property name="creatorTenantId" value="&quot;da49a844-e2e3-40af-86a6-c3819d704f49&quot;"/>
+    <we:property name="datasetId" value="&quot;c824de27-9b88-48e8-ad11-e7b8d4dfe6f5&quot;"/>
+    <we:property name="embedUrl" value="&quot;/reportEmbed?reportId=e4f90c74-1dbf-4867-a900-404ea17f3a8c&amp;config=eyJjbHVzdGVyVXJsIjoiaHR0cHM6Ly9XQUJJLUJSQVpJTC1TT1VUSC1yZWRpcmVjdC5hbmFseXNpcy53aW5kb3dzLm5ldCIsImVtYmVkRmVhdHVyZXMiOnsidXNhZ2VNZXRyaWNzVk5leHQiOnRydWV9fQ%3D%3D&amp;disableSensitivityBanner=true&quot;"/>
+    <we:property name="initialStateBookmark" value="&quot;H4sIAAAAAAAAA+1ZzW4bNxB+FWEvuQiBdlerH99sxS0C17FgB74EQjBLjmSmFLkluWoUQ0+TQ9FzH8Ev1iFXm8SpHPmnslRUt93haOYbzgw/zuo64sIWEuZvYIrRQfRaccGAa9OIo2akKuHR2dnJ6eH5yfs3h6fHJNaFE1rZ6OA6cmAm6C6FLUF6EyR8N2pGIOUQJv5tDNJiMyrQWK1Aik9YKdOSMyUumhF+LKQ24E1eOHDozc5Ind7Jd/wyzsglMCdmeIHMVeJzLLRx9XszstVTwHR7zVsLHgdaORCKLHtZvz3GDsesD2krY6242+8wLx8L6ZYq+fz4Y2EoIApzXviNGBC8iTa0QzIKwA1au3Qy0LKchqfjW/ILXRqG5zgOS8oJNydLbyFHCe9Jr9DWgf0ZDdlc0HYMjabNCkqnKK80qTTG2kzBNjg2CpjQLiung+6V/n1gkEDx6KC1aH7BechnoBhJvwd5OJkYnEC9McebjuD1qyD5qVTLZGT/hD0iiRVqIpeV8TVjb6toWMA1uALjfPHlHyizPkH0O204mqN5yNErYeqUJ83vQtiFuBejuoxJ8cM39bqsqiqK5y+j0cLrs6STISR5mrbzPqYtxhDW9sN/qs6aW29jBgpE2H+mp6Ui/zd/3Hxe1cpre4JrVbq6JaB0+gIlldTlNzrLk3ffLxvIV9UzKcu73RhZ3sk6WZ4leZLgrnHIQE91YxoiAtMopxSKsqV0N38Z8X8ikRzMnkE2VURVO2ACca8LkLV4h+ikn2a8/3gK2dye7ggtDOmS/VuJjZmWdItuwIOa87kpzJ+DYurv1aAcNtQuY3043W4f60Nv+M+M8yxU6tRv582fjRnQwCY+0Zi404VQgaZqhTGQkt/cHUb7eKLeBlACd4UM7wN0LTVbKcjSLWKOpmgm4S7FwUHgi6JCILBa1zwsY6CT6+gX4QJWerwEWXqzL47ACvaCEC0CQ93BnUHdboo5A+WMqq8coGz9jaPyZ7QMTzUGoneJM5TVKhWvmZPToLHS2UuyTr8RloBLKKzfb/9RhUQcA8wTnG84NO9+KJSqffu6vAfyteR3R1yP8bWWvFb5uq/tdWTzb9heRQ5PsHv/w/zJTn54+D7B+o8Py6cavvNwW2mYhEZr5xuobrv6TFGllMuzp5+00lYv5lnMkzjDTjtlfP99ZTcJicnSUlKQH+2Hxs2lpRoak6TT6/Gs3U0T1k15v9PrJPu+2N79d21zjEsiYLnviE0lpGqLuN9tZ7zdjuMWYtbjcasb79tiW98y1jaFFArpYs9+RV4hpsMv13vu2GCORmGuW6yeGnXpbAEMh6BwxfQYhjGOfM0EGf5BiYITyrbI5bqR098Hv8ybi8Xfj3Chkl0fAAA=&quot;"/>
+    <we:property name="isFiltersActionButtonVisible" value="true"/>
+    <we:property name="isVisualContainerHeaderHidden" value="false"/>
     <we:property name="pageDisplayName" value="&quot;Página 1&quot;"/>
     <we:property name="pageName" value="&quot;ReportSection&quot;"/>
+    <we:property name="reportEmbeddedTime" value="&quot;2024-05-17T15:29:02.804Z&quot;"/>
     <we:property name="reportName" value="&quot;Dashboard de Big Data&quot;"/>
-    <we:property name="isVisualContainerHeaderHidden" value="false"/>
-    <we:property name="isFiltersActionButtonVisible" value="true"/>
-    <we:property name="initialStateBookmark" value="&quot;H4sIAAAAAAAAA+1ZzW4bNxB+FWEvuQiBdlerH99sxS0C17FgB74EQjBLjmSmFLkluWoUQ0+TQ9FzH8Ev1iFXm8SpHPmnslRUt93haOYbzgw/zuo64sIWEuZvYIrRQfRaccGAa9OIo2akKuHR2dnJ6eH5yfs3h6fHJNaFE1rZ6OA6cmAm6C6FLUF6EyR8N2pGIOUQJv5tDNJiMyrQWK1Aik9YKdOSMyUumhF+LKQ24E1eOHDozc5Ind7Jd/wyzsglMCdmeIHMVeJzLLRx9XszstVTwHR7zVsLHgdaORCKLHtZvz3GDsesD2krY6242+8wLx8L6ZYq+fz4Y2EoIApzXviNGBC8iTa0QzIKwA1au3Qy0LKchqfjW/ILXRqG5zgOS8oJNydLbyFHCe9Jr9DWgf0ZDdlc0HYMjabNCkqnKK80qTTG2kzBNjg2CpjQLiung+6V/n1gkEDx6KC1aH7BechnoBhJvwd5OJkYnEC9McebjuD1qyD5qVTLZGT/hD0iiRVqIpeV8TVjb6toWMA1uALjfPHlHyizPkH0O204mqN5yNErYeqUJ83vQtiFuBejuoxJ8cM39bqsqiqK5y+j0cLrs6STISR5mrbzPqYtxhDW9sN/qs6aW29jBgpE2H+mp6Ui/zd/3Hxe1cpre4JrVbq6JaB0+gIlldTlNzrLk3ffLxvIV9UzKcu73RhZ3sk6WZ4leZLgrnHIQE91YxoiAtMopxSKsqV0N38Z8X8ikRzMnkE2VURVO2ACca8LkLV4h+ikn2a8/3gK2dye7ggtDOmS/VuJjZmWdItuwIOa87kpzJ+DYurv1aAcNtQuY3043W4f60Nv+M+M8yxU6tRv582fjRnQwCY+0Zi404VQgaZqhTGQkt/cHUb7eKLeBlACd4UM7wN0LTVbKcjSLWKOpmgm4S7FwUHgi6JCILBa1zwsY6CT6+gX4QJWerwEWXqzL47ACvaCEC0CQ93BnUHdboo5A+WMqq8coGz9jaPyZ7QMTzUGoneJM5TVKhWvmZPToLHS2UuyTr8RloBLKKzfb/9RhUQcA8wTnG84NO9+KJSqffu6vAfyteR3R1yP8bWWvFb5uq/tdWTzb9heRQ5PsHv/w/zJTn54+D7B+o8Py6cavvNwW2mYhEZr5xuobrv6TFGllMuzp5+00lYv5lnMkzjDTjtlfP99ZTcJicnSUlKQH+2Hxs2lpRoak6TT6/Gs3U0T1k15v9PrJPu+2N79d21zjEsiYLnviE0lpGqLuN9tZ7zdjuMWYtbjcasb79tiW98y1jaFFArpYs9+RV4hpsMv13vu2GCORmGuW6yeGnXpbAEMh6BwxfQYhjGOfM0EGf5BiYITyrbI5bqR098Hv8ybi8Xfj3Chkl0fAAA=&quot;"/>
-    <we:property name="bookmark" value="&quot;H4sIAAAAAAAAA+1ZzY7bNhB+FUOXXIzAkizZ3lvW2RZB/4xssJfAKEbk2MuUIlWScuMs/DQ9FD33EfbFMqSsNNt44/2p1y7qm0SOZ77548eRryIubCVh+SOUGJ1ErxQXDLg2nTjqRqpZ7A8hTljMkmE6yPM+ZoOC066unNDKRidXkQMzR3chbA3Sa6LFt9NuBFJOYO7fZiAtdqMKjdUKpPiAjTBtOVPjqhvh+0pqA17luQOHXu2CxOmdIMTP44xMAnNigefIXLP8GittXPvejWzzFDDd3PPagsWxVg6EIs1+bdSfYc4xG0Hay1gvHoxy5tdnQrq1SLE8e18ZcojcXFY+HmOCN9eGAiWjANygtWsjYy3rMjyd3Vg/17Vh+BpnYUs54Zak6Q0UKOFnkqu0dWC/RUM6VxSOidEUrCD0A8pLTSKdmTYl2A7HTgVzirJyOshe6t/GBgkUj056q+4nnC/4AhRD/gXIF/O5wTm0gTnbtQevXoaVb2q1Tkb2JewprVih5nJdGX9n7E3jDQu4xpdgnC++4h1l1ieIfqcNR3O6DDl6KUyb8qT7DxcOwe/VtC1jEnz3Wb2uq6rx4unLaLry8izJM4SkSNN+McK0xxjC1n74T9VZd+9tzECBCPFnuqwV2b/+4/r3Ta28tSe4VrVrWwJqp89RUkldfCazPnmP/bKDfDU9k7JiMIiRFXmWZ0WWFEmCh8YhY13qThk8AtOpS3JF2Vq667+M+D+RSAHmyCC7KqKmHTCBeDgAyHo8JzoZpRkfPZxCdhfTA6GFCd21f62xs9CSbtEduFdzPjWF+XNQlP5eDcphRx0y1vvT7f6x3veG/8Q4fwqVWvpwXv/ZWQANbOIDTYsHXQgNaKpWmAEJ+eAeMNqHE/U+gBK4S2R4F6BbqdlKQZpuEHNUopmHuxQHB4EvqgaBwGZf87CNgU6uou+FC1jp8QJk7dU+OwUr2DNCtAoMdQt3BnG7K+YMlDNtvnKAsu03jsae0TI8tRiI3iUuUDa7VLxmSUaDxEZjz0k7/UZYAi6hsj7e/qMKLXEMML/D5Y5d8+YnQqnWtq/LOyDfSn63+PUQW1vJa5Otu+reRjb/hu5N5PAIvXc/zB9t5KuH7yO0f/2wfKziWw+3jYpp0WjtfAO1bdeeKaqWcn32jJJe2hvGPIt5EmeY91PGj99XDpOQmKwtJQX56XFo3F1amqExSfLhkGf9QZqwQcpH+TBPjn2xv/vv1uaY1UTA8tgRu0pI0xbxaNDPeL8fxz3EbMjj3iA+tsW+vmVsbQopFNLFnv2CvEFMh1+hj9yxwxxNw1y32jw16trZChhOQOGG6TEMYxz5lgky/IPyaX5crT4CRqlT+zQfAAA=&quot;"/>
-    <we:property name="datasetId" value="&quot;c824de27-9b88-48e8-ad11-e7b8d4dfe6f5&quot;"/>
-    <we:property name="embedUrl" value="&quot;/reportEmbed?reportId=e4f90c74-1dbf-4867-a900-404ea17f3a8c&amp;config=eyJjbHVzdGVyVXJsIjoiaHR0cHM6Ly9XQUJJLUJSQVpJTC1TT1VUSC1yZWRpcmVjdC5hbmFseXNpcy53aW5kb3dzLm5ldCIsImVtYmVkRmVhdHVyZXMiOnsidXNhZ2VNZXRyaWNzVk5leHQiOnRydWV9fQ%3D%3D&amp;disableSensitivityBanner=true&quot;"/>
-    <we:property name="backgroundColor" value="&quot;#FFFFFF&quot;"/>
+    <we:property name="reportState" value="&quot;CONNECTED&quot;"/>
+    <we:property name="reportUrl" value="&quot;/groups/me/reports/e4f90c74-1dbf-4867-a900-404ea17f3a8c/ReportSection?bookmarkGuid=1cdeb36f-9b87-46b8-ad21-58635386eb2a&amp;bookmarkUsage=1&amp;ctid=da49a844-e2e3-40af-86a6-c3819d704f49&amp;fromEntryPoint=export&quot;"/>
   </we:properties>
   <we:bindings/>
   <we:snapshot xmlns:r="http://schemas.openxmlformats.org/officeDocument/2006/relationships"/>
